--- a/19.11.06.pptx
+++ b/19.11.06.pptx
@@ -6790,9 +6790,14 @@
           </a:p>
           <a:p>
             <a:r>
-              <a:rPr lang="en-US" altLang="ko-KR" sz="1500" dirty="0"/>
-              <a:t>1000\</a:t>
+              <a:rPr lang="en-US" altLang="ko-KR" sz="1500" dirty="0" smtClean="0"/>
+              <a:t>1000</a:t>
             </a:r>
+            <a:r>
+              <a:rPr lang="ko-KR" altLang="en-US" sz="1500" dirty="0" smtClean="0"/>
+              <a:t>원</a:t>
+            </a:r>
+            <a:endParaRPr lang="en-US" altLang="ko-KR" sz="1500" dirty="0"/>
           </a:p>
           <a:p>
             <a:r>
@@ -7161,9 +7166,14 @@
           </a:p>
           <a:p>
             <a:r>
-              <a:rPr lang="en-US" altLang="ko-KR" sz="1500" dirty="0"/>
-              <a:t>3000\</a:t>
+              <a:rPr lang="en-US" altLang="ko-KR" sz="1500" dirty="0" smtClean="0"/>
+              <a:t>3000</a:t>
             </a:r>
+            <a:r>
+              <a:rPr lang="ko-KR" altLang="en-US" sz="1500" dirty="0" smtClean="0"/>
+              <a:t>원</a:t>
+            </a:r>
+            <a:endParaRPr lang="en-US" altLang="ko-KR" sz="1500" dirty="0"/>
           </a:p>
           <a:p>
             <a:r>
@@ -7532,9 +7542,14 @@
           </a:p>
           <a:p>
             <a:r>
-              <a:rPr lang="en-US" altLang="ko-KR" sz="1500" dirty="0"/>
-              <a:t>3000\</a:t>
+              <a:rPr lang="en-US" altLang="ko-KR" sz="1500" dirty="0" smtClean="0"/>
+              <a:t>3000</a:t>
             </a:r>
+            <a:r>
+              <a:rPr lang="ko-KR" altLang="en-US" sz="1500" dirty="0" smtClean="0"/>
+              <a:t>원</a:t>
+            </a:r>
+            <a:endParaRPr lang="en-US" altLang="ko-KR" sz="1500" dirty="0"/>
           </a:p>
           <a:p>
             <a:r>
@@ -8475,7 +8490,7 @@
         <p:spPr>
           <a:xfrm>
             <a:off x="2570086" y="223676"/>
-            <a:ext cx="3546629" cy="495416"/>
+            <a:ext cx="3574295" cy="714914"/>
           </a:xfrm>
           <a:solidFill>
             <a:schemeClr val="bg1"/>
@@ -8495,10 +8510,10 @@
           <a:lstStyle/>
           <a:p>
             <a:r>
-              <a:rPr lang="pt-BR" altLang="ko-KR" dirty="0"/>
+              <a:rPr lang="pt-BR" altLang="ko-KR" sz="1600" dirty="0"/>
               <a:t>Mega2560 + WiFi R3 (ATmega2560 + ESP8266)</a:t>
             </a:r>
-            <a:endParaRPr lang="ko-KR" altLang="en-US" sz="2250" dirty="0"/>
+            <a:endParaRPr lang="ko-KR" altLang="en-US" sz="1600" dirty="0"/>
           </a:p>
         </p:txBody>
       </p:sp>
@@ -8820,14 +8835,17 @@
             </a:r>
           </a:p>
           <a:p>
-            <a:pPr fontAlgn="base"/>
+            <a:pPr marL="285750" indent="-285750" fontAlgn="base">
+              <a:buFontTx/>
+              <a:buChar char="-"/>
+            </a:pPr>
             <a:r>
-              <a:rPr lang="en-US" altLang="ko-KR" sz="1500" dirty="0"/>
-              <a:t>- </a:t>
+              <a:rPr lang="ko-KR" altLang="en-US" sz="1500" dirty="0" smtClean="0"/>
+              <a:t>단점은 </a:t>
             </a:r>
             <a:r>
               <a:rPr lang="ko-KR" altLang="en-US" sz="1500" dirty="0"/>
-              <a:t>단점은 핀 배치나 특수한 기능을 가진 핀들이 </a:t>
+              <a:t>핀 배치나 특수한 기능을 가진 핀들이 </a:t>
             </a:r>
             <a:r>
               <a:rPr lang="en-US" altLang="ko-KR" sz="1500" dirty="0" err="1"/>
@@ -8835,8 +8853,35 @@
             </a:r>
             <a:r>
               <a:rPr lang="ko-KR" altLang="en-US" sz="1500" dirty="0"/>
-              <a:t>보드와 다르게 설정되어 배우는데 어려움이 좀 더 큼</a:t>
+              <a:t>보드와 다르게 설정되어 배우는데 어려움이 좀 더 </a:t>
             </a:r>
+            <a:r>
+              <a:rPr lang="ko-KR" altLang="en-US" sz="1500" dirty="0" smtClean="0"/>
+              <a:t>큼</a:t>
+            </a:r>
+            <a:endParaRPr lang="en-US" altLang="ko-KR" sz="1500" dirty="0" smtClean="0"/>
+          </a:p>
+          <a:p>
+            <a:pPr marL="285750" indent="-285750" fontAlgn="base">
+              <a:buFontTx/>
+              <a:buChar char="-"/>
+            </a:pPr>
+            <a:r>
+              <a:rPr lang="en-US" altLang="ko-KR" sz="1500" dirty="0" smtClean="0"/>
+              <a:t>10000</a:t>
+            </a:r>
+            <a:r>
+              <a:rPr lang="ko-KR" altLang="en-US" sz="1500" dirty="0" smtClean="0"/>
+              <a:t>원</a:t>
+            </a:r>
+            <a:endParaRPr lang="en-US" altLang="ko-KR" sz="1500" dirty="0"/>
+          </a:p>
+          <a:p>
+            <a:pPr marL="285750" indent="-285750" fontAlgn="base">
+              <a:buFontTx/>
+              <a:buChar char="-"/>
+            </a:pPr>
+            <a:endParaRPr lang="ko-KR" altLang="en-US" sz="1500" dirty="0"/>
           </a:p>
           <a:p>
             <a:endParaRPr lang="en-US" altLang="ko-KR" sz="1500" dirty="0"/>
@@ -8959,52 +9004,6 @@
       </p:sp>
       <p:sp>
         <p:nvSpPr>
-          <p:cNvPr id="3" name="부제목 2">
-            <a:extLst>
-              <a:ext uri="{FF2B5EF4-FFF2-40B4-BE49-F238E27FC236}">
-                <a16:creationId xmlns:a16="http://schemas.microsoft.com/office/drawing/2014/main" id="{674FD067-C169-49B1-B28F-6154B60AAE62}"/>
-              </a:ext>
-            </a:extLst>
-          </p:cNvPr>
-          <p:cNvSpPr>
-            <a:spLocks noGrp="1"/>
-          </p:cNvSpPr>
-          <p:nvPr>
-            <p:ph type="subTitle" idx="1"/>
-          </p:nvPr>
-        </p:nvSpPr>
-        <p:spPr>
-          <a:xfrm>
-            <a:off x="2570086" y="223676"/>
-            <a:ext cx="3546629" cy="495416"/>
-          </a:xfrm>
-          <a:solidFill>
-            <a:schemeClr val="bg1"/>
-          </a:solidFill>
-          <a:ln w="34925">
-            <a:solidFill>
-              <a:schemeClr val="tx1">
-                <a:alpha val="97000"/>
-              </a:schemeClr>
-            </a:solidFill>
-          </a:ln>
-        </p:spPr>
-        <p:txBody>
-          <a:bodyPr>
-            <a:noAutofit/>
-          </a:bodyPr>
-          <a:lstStyle/>
-          <a:p>
-            <a:r>
-              <a:rPr lang="pt-BR" altLang="ko-KR" dirty="0"/>
-              <a:t>Mega2560 + WiFi R3 (ATmega2560 + ESP8266)</a:t>
-            </a:r>
-            <a:endParaRPr lang="ko-KR" altLang="en-US" sz="2250" dirty="0"/>
-          </a:p>
-        </p:txBody>
-      </p:sp>
-      <p:sp>
-        <p:nvSpPr>
           <p:cNvPr id="5" name="부제목 2">
             <a:extLst>
               <a:ext uri="{FF2B5EF4-FFF2-40B4-BE49-F238E27FC236}">
@@ -9249,6 +9248,299 @@
           </a:prstGeom>
         </p:spPr>
       </p:pic>
+      <p:sp>
+        <p:nvSpPr>
+          <p:cNvPr id="8" name="부제목 2">
+            <a:extLst>
+              <a:ext uri="{FF2B5EF4-FFF2-40B4-BE49-F238E27FC236}">
+                <a16:creationId xmlns:a16="http://schemas.microsoft.com/office/drawing/2014/main" id="{674FD067-C169-49B1-B28F-6154B60AAE62}"/>
+              </a:ext>
+            </a:extLst>
+          </p:cNvPr>
+          <p:cNvSpPr txBox="1">
+            <a:spLocks/>
+          </p:cNvSpPr>
+          <p:nvPr/>
+        </p:nvSpPr>
+        <p:spPr>
+          <a:xfrm>
+            <a:off x="2570086" y="223676"/>
+            <a:ext cx="3574295" cy="714914"/>
+          </a:xfrm>
+          <a:prstGeom prst="rect">
+            <a:avLst/>
+          </a:prstGeom>
+          <a:solidFill>
+            <a:schemeClr val="bg1"/>
+          </a:solidFill>
+          <a:ln w="34925">
+            <a:solidFill>
+              <a:schemeClr val="tx1">
+                <a:alpha val="97000"/>
+              </a:schemeClr>
+            </a:solidFill>
+          </a:ln>
+        </p:spPr>
+        <p:txBody>
+          <a:bodyPr spcFirstLastPara="1" wrap="square" lIns="91425" tIns="91425" rIns="91425" bIns="91425" anchor="t" anchorCtr="0">
+            <a:noAutofit/>
+          </a:bodyPr>
+          <a:lstStyle>
+            <a:defPPr marR="0" lvl="0" algn="l" rtl="0">
+              <a:lnSpc>
+                <a:spcPct val="100000"/>
+              </a:lnSpc>
+              <a:spcBef>
+                <a:spcPts val="0"/>
+              </a:spcBef>
+              <a:spcAft>
+                <a:spcPts val="0"/>
+              </a:spcAft>
+            </a:defPPr>
+            <a:lvl1pPr marL="457200" marR="0" lvl="0" indent="-342900" algn="ctr" rtl="0">
+              <a:lnSpc>
+                <a:spcPct val="100000"/>
+              </a:lnSpc>
+              <a:spcBef>
+                <a:spcPts val="0"/>
+              </a:spcBef>
+              <a:spcAft>
+                <a:spcPts val="0"/>
+              </a:spcAft>
+              <a:buClr>
+                <a:schemeClr val="lt2"/>
+              </a:buClr>
+              <a:buSzPts val="2800"/>
+              <a:buFont typeface="Arial"/>
+              <a:buNone/>
+              <a:defRPr sz="2800" b="0" i="0" u="none" strike="noStrike" cap="none">
+                <a:solidFill>
+                  <a:schemeClr val="lt2"/>
+                </a:solidFill>
+                <a:latin typeface="Arial"/>
+                <a:ea typeface="Arial"/>
+                <a:cs typeface="Arial"/>
+                <a:sym typeface="Arial"/>
+              </a:defRPr>
+            </a:lvl1pPr>
+            <a:lvl2pPr marL="914400" marR="0" lvl="1" indent="-317500" algn="ctr" rtl="0">
+              <a:lnSpc>
+                <a:spcPct val="100000"/>
+              </a:lnSpc>
+              <a:spcBef>
+                <a:spcPts val="0"/>
+              </a:spcBef>
+              <a:spcAft>
+                <a:spcPts val="0"/>
+              </a:spcAft>
+              <a:buClr>
+                <a:schemeClr val="lt2"/>
+              </a:buClr>
+              <a:buSzPts val="2800"/>
+              <a:buFont typeface="Arial"/>
+              <a:buNone/>
+              <a:defRPr sz="2800" b="0" i="0" u="none" strike="noStrike" cap="none">
+                <a:solidFill>
+                  <a:schemeClr val="lt2"/>
+                </a:solidFill>
+                <a:latin typeface="Arial"/>
+                <a:ea typeface="Arial"/>
+                <a:cs typeface="Arial"/>
+                <a:sym typeface="Arial"/>
+              </a:defRPr>
+            </a:lvl2pPr>
+            <a:lvl3pPr marL="1371600" marR="0" lvl="2" indent="-317500" algn="ctr" rtl="0">
+              <a:lnSpc>
+                <a:spcPct val="100000"/>
+              </a:lnSpc>
+              <a:spcBef>
+                <a:spcPts val="0"/>
+              </a:spcBef>
+              <a:spcAft>
+                <a:spcPts val="0"/>
+              </a:spcAft>
+              <a:buClr>
+                <a:schemeClr val="lt2"/>
+              </a:buClr>
+              <a:buSzPts val="2800"/>
+              <a:buFont typeface="Arial"/>
+              <a:buNone/>
+              <a:defRPr sz="2800" b="0" i="0" u="none" strike="noStrike" cap="none">
+                <a:solidFill>
+                  <a:schemeClr val="lt2"/>
+                </a:solidFill>
+                <a:latin typeface="Arial"/>
+                <a:ea typeface="Arial"/>
+                <a:cs typeface="Arial"/>
+                <a:sym typeface="Arial"/>
+              </a:defRPr>
+            </a:lvl3pPr>
+            <a:lvl4pPr marL="1828800" marR="0" lvl="3" indent="-317500" algn="ctr" rtl="0">
+              <a:lnSpc>
+                <a:spcPct val="100000"/>
+              </a:lnSpc>
+              <a:spcBef>
+                <a:spcPts val="0"/>
+              </a:spcBef>
+              <a:spcAft>
+                <a:spcPts val="0"/>
+              </a:spcAft>
+              <a:buClr>
+                <a:schemeClr val="lt2"/>
+              </a:buClr>
+              <a:buSzPts val="2800"/>
+              <a:buFont typeface="Arial"/>
+              <a:buNone/>
+              <a:defRPr sz="2800" b="0" i="0" u="none" strike="noStrike" cap="none">
+                <a:solidFill>
+                  <a:schemeClr val="lt2"/>
+                </a:solidFill>
+                <a:latin typeface="Arial"/>
+                <a:ea typeface="Arial"/>
+                <a:cs typeface="Arial"/>
+                <a:sym typeface="Arial"/>
+              </a:defRPr>
+            </a:lvl4pPr>
+            <a:lvl5pPr marL="2286000" marR="0" lvl="4" indent="-317500" algn="ctr" rtl="0">
+              <a:lnSpc>
+                <a:spcPct val="100000"/>
+              </a:lnSpc>
+              <a:spcBef>
+                <a:spcPts val="0"/>
+              </a:spcBef>
+              <a:spcAft>
+                <a:spcPts val="0"/>
+              </a:spcAft>
+              <a:buClr>
+                <a:schemeClr val="lt2"/>
+              </a:buClr>
+              <a:buSzPts val="2800"/>
+              <a:buFont typeface="Arial"/>
+              <a:buNone/>
+              <a:defRPr sz="2800" b="0" i="0" u="none" strike="noStrike" cap="none">
+                <a:solidFill>
+                  <a:schemeClr val="lt2"/>
+                </a:solidFill>
+                <a:latin typeface="Arial"/>
+                <a:ea typeface="Arial"/>
+                <a:cs typeface="Arial"/>
+                <a:sym typeface="Arial"/>
+              </a:defRPr>
+            </a:lvl5pPr>
+            <a:lvl6pPr marL="2743200" marR="0" lvl="5" indent="-317500" algn="ctr" rtl="0">
+              <a:lnSpc>
+                <a:spcPct val="100000"/>
+              </a:lnSpc>
+              <a:spcBef>
+                <a:spcPts val="0"/>
+              </a:spcBef>
+              <a:spcAft>
+                <a:spcPts val="0"/>
+              </a:spcAft>
+              <a:buClr>
+                <a:schemeClr val="lt2"/>
+              </a:buClr>
+              <a:buSzPts val="2800"/>
+              <a:buFont typeface="Arial"/>
+              <a:buNone/>
+              <a:defRPr sz="2800" b="0" i="0" u="none" strike="noStrike" cap="none">
+                <a:solidFill>
+                  <a:schemeClr val="lt2"/>
+                </a:solidFill>
+                <a:latin typeface="Arial"/>
+                <a:ea typeface="Arial"/>
+                <a:cs typeface="Arial"/>
+                <a:sym typeface="Arial"/>
+              </a:defRPr>
+            </a:lvl6pPr>
+            <a:lvl7pPr marL="3200400" marR="0" lvl="6" indent="-317500" algn="ctr" rtl="0">
+              <a:lnSpc>
+                <a:spcPct val="100000"/>
+              </a:lnSpc>
+              <a:spcBef>
+                <a:spcPts val="0"/>
+              </a:spcBef>
+              <a:spcAft>
+                <a:spcPts val="0"/>
+              </a:spcAft>
+              <a:buClr>
+                <a:schemeClr val="lt2"/>
+              </a:buClr>
+              <a:buSzPts val="2800"/>
+              <a:buFont typeface="Arial"/>
+              <a:buNone/>
+              <a:defRPr sz="2800" b="0" i="0" u="none" strike="noStrike" cap="none">
+                <a:solidFill>
+                  <a:schemeClr val="lt2"/>
+                </a:solidFill>
+                <a:latin typeface="Arial"/>
+                <a:ea typeface="Arial"/>
+                <a:cs typeface="Arial"/>
+                <a:sym typeface="Arial"/>
+              </a:defRPr>
+            </a:lvl7pPr>
+            <a:lvl8pPr marL="3657600" marR="0" lvl="7" indent="-317500" algn="ctr" rtl="0">
+              <a:lnSpc>
+                <a:spcPct val="100000"/>
+              </a:lnSpc>
+              <a:spcBef>
+                <a:spcPts val="0"/>
+              </a:spcBef>
+              <a:spcAft>
+                <a:spcPts val="0"/>
+              </a:spcAft>
+              <a:buClr>
+                <a:schemeClr val="lt2"/>
+              </a:buClr>
+              <a:buSzPts val="2800"/>
+              <a:buFont typeface="Arial"/>
+              <a:buNone/>
+              <a:defRPr sz="2800" b="0" i="0" u="none" strike="noStrike" cap="none">
+                <a:solidFill>
+                  <a:schemeClr val="lt2"/>
+                </a:solidFill>
+                <a:latin typeface="Arial"/>
+                <a:ea typeface="Arial"/>
+                <a:cs typeface="Arial"/>
+                <a:sym typeface="Arial"/>
+              </a:defRPr>
+            </a:lvl8pPr>
+            <a:lvl9pPr marL="4114800" marR="0" lvl="8" indent="-317500" algn="ctr" rtl="0">
+              <a:lnSpc>
+                <a:spcPct val="100000"/>
+              </a:lnSpc>
+              <a:spcBef>
+                <a:spcPts val="0"/>
+              </a:spcBef>
+              <a:spcAft>
+                <a:spcPts val="0"/>
+              </a:spcAft>
+              <a:buClr>
+                <a:schemeClr val="lt2"/>
+              </a:buClr>
+              <a:buSzPts val="2800"/>
+              <a:buFont typeface="Arial"/>
+              <a:buNone/>
+              <a:defRPr sz="2800" b="0" i="0" u="none" strike="noStrike" cap="none">
+                <a:solidFill>
+                  <a:schemeClr val="lt2"/>
+                </a:solidFill>
+                <a:latin typeface="Arial"/>
+                <a:ea typeface="Arial"/>
+                <a:cs typeface="Arial"/>
+                <a:sym typeface="Arial"/>
+              </a:defRPr>
+            </a:lvl9pPr>
+          </a:lstStyle>
+          <a:p>
+            <a:r>
+              <a:rPr lang="pt-BR" altLang="ko-KR" sz="1600" smtClean="0"/>
+              <a:t>Mega2560 + WiFi R3 (ATmega2560 + ESP8266)</a:t>
+            </a:r>
+            <a:endParaRPr lang="ko-KR" altLang="en-US" sz="1600" dirty="0"/>
+          </a:p>
+        </p:txBody>
+      </p:sp>
     </p:spTree>
     <p:extLst>
       <p:ext uri="{BB962C8B-B14F-4D97-AF65-F5344CB8AC3E}">
@@ -9605,9 +9897,14 @@
           </a:lstStyle>
           <a:p>
             <a:r>
-              <a:rPr lang="en-US" altLang="ko-KR" sz="1500" dirty="0"/>
-              <a:t>35000\</a:t>
+              <a:rPr lang="en-US" altLang="ko-KR" sz="1500" dirty="0" smtClean="0"/>
+              <a:t>35000</a:t>
             </a:r>
+            <a:r>
+              <a:rPr lang="ko-KR" altLang="en-US" sz="1500" dirty="0" smtClean="0"/>
+              <a:t>원</a:t>
+            </a:r>
+            <a:endParaRPr lang="en-US" altLang="ko-KR" sz="1500" dirty="0"/>
           </a:p>
           <a:p>
             <a:r>
